--- a/AED 2 _ Quicksort, Mergesort e Heapsort (2).pptx
+++ b/AED 2 _ Quicksort, Mergesort e Heapsort (2).pptx
@@ -13,38 +13,40 @@
     <p:sldId id="258" r:id="rId6"/>
     <p:sldId id="259" r:id="rId7"/>
     <p:sldId id="260" r:id="rId8"/>
-    <p:sldId id="261" r:id="rId9"/>
-    <p:sldId id="262" r:id="rId10"/>
-    <p:sldId id="263" r:id="rId11"/>
-    <p:sldId id="264" r:id="rId12"/>
-    <p:sldId id="265" r:id="rId13"/>
-    <p:sldId id="266" r:id="rId14"/>
-    <p:sldId id="267" r:id="rId15"/>
-    <p:sldId id="268" r:id="rId16"/>
-    <p:sldId id="269" r:id="rId17"/>
-    <p:sldId id="270" r:id="rId18"/>
-    <p:sldId id="271" r:id="rId19"/>
-    <p:sldId id="272" r:id="rId20"/>
-    <p:sldId id="273" r:id="rId21"/>
-    <p:sldId id="274" r:id="rId22"/>
-    <p:sldId id="275" r:id="rId23"/>
+    <p:sldId id="277" r:id="rId9"/>
+    <p:sldId id="261" r:id="rId10"/>
+    <p:sldId id="262" r:id="rId11"/>
+    <p:sldId id="263" r:id="rId12"/>
+    <p:sldId id="264" r:id="rId13"/>
+    <p:sldId id="265" r:id="rId14"/>
+    <p:sldId id="276" r:id="rId15"/>
+    <p:sldId id="266" r:id="rId16"/>
+    <p:sldId id="267" r:id="rId17"/>
+    <p:sldId id="268" r:id="rId18"/>
+    <p:sldId id="269" r:id="rId19"/>
+    <p:sldId id="270" r:id="rId20"/>
+    <p:sldId id="271" r:id="rId21"/>
+    <p:sldId id="272" r:id="rId22"/>
+    <p:sldId id="273" r:id="rId23"/>
+    <p:sldId id="274" r:id="rId24"/>
+    <p:sldId id="275" r:id="rId25"/>
   </p:sldIdLst>
   <p:sldSz cx="9144000" cy="5143500"/>
   <p:notesSz cx="6858000" cy="9144000"/>
   <p:embeddedFontLst>
     <p:embeddedFont>
       <p:font typeface="Montserrat" charset="0"/>
-      <p:regular r:id="rId27"/>
-      <p:bold r:id="rId28"/>
-      <p:italic r:id="rId29"/>
-      <p:boldItalic r:id="rId30"/>
+      <p:regular r:id="rId29"/>
+      <p:bold r:id="rId30"/>
+      <p:italic r:id="rId31"/>
+      <p:boldItalic r:id="rId32"/>
     </p:embeddedFont>
     <p:embeddedFont>
       <p:font typeface="Lato" charset="0"/>
-      <p:regular r:id="rId31"/>
-      <p:bold r:id="rId32"/>
-      <p:italic r:id="rId33"/>
-      <p:boldItalic r:id="rId34"/>
+      <p:regular r:id="rId33"/>
+      <p:bold r:id="rId34"/>
+      <p:italic r:id="rId35"/>
+      <p:boldItalic r:id="rId36"/>
     </p:embeddedFont>
   </p:embeddedFontLst>
   <p:defaultTextStyle>
@@ -816,6 +818,105 @@
   <p:cSld>
     <p:spTree>
       <p:nvGrpSpPr>
+        <p:cNvPr id="170" name="Shape 170"/>
+        <p:cNvGrpSpPr/>
+        <p:nvPr/>
+      </p:nvGrpSpPr>
+      <p:grpSpPr>
+        <a:xfrm>
+          <a:off x="0" y="0"/>
+          <a:ext cx="0" cy="0"/>
+          <a:chOff x="0" y="0"/>
+          <a:chExt cx="0" cy="0"/>
+        </a:xfrm>
+      </p:grpSpPr>
+      <p:sp>
+        <p:nvSpPr>
+          <p:cNvPr id="171" name="Google Shape;171;g4cf1545613_1_24:notes"/>
+          <p:cNvSpPr/>
+          <p:nvPr>
+            <p:ph type="sldImg" idx="2"/>
+          </p:nvPr>
+        </p:nvSpPr>
+        <p:spPr>
+          <a:xfrm>
+            <a:off x="381300" y="685800"/>
+            <a:ext cx="6096000" cy="3429000"/>
+          </a:xfrm>
+          <a:custGeom>
+            <a:avLst/>
+            <a:gdLst/>
+            <a:ahLst/>
+            <a:cxnLst/>
+            <a:rect l="l" t="t" r="r" b="b"/>
+            <a:pathLst>
+              <a:path w="120000" h="120000" extrusionOk="0">
+                <a:moveTo>
+                  <a:pt x="0" y="0"/>
+                </a:moveTo>
+                <a:lnTo>
+                  <a:pt x="120000" y="0"/>
+                </a:lnTo>
+                <a:lnTo>
+                  <a:pt x="120000" y="120000"/>
+                </a:lnTo>
+                <a:lnTo>
+                  <a:pt x="0" y="120000"/>
+                </a:lnTo>
+                <a:close/>
+              </a:path>
+            </a:pathLst>
+          </a:custGeom>
+        </p:spPr>
+      </p:sp>
+      <p:sp>
+        <p:nvSpPr>
+          <p:cNvPr id="172" name="Google Shape;172;g4cf1545613_1_24:notes"/>
+          <p:cNvSpPr txBox="1"/>
+          <p:nvPr>
+            <p:ph type="body" idx="1"/>
+          </p:nvPr>
+        </p:nvSpPr>
+        <p:spPr>
+          <a:xfrm>
+            <a:off x="685800" y="4343400"/>
+            <a:ext cx="5486400" cy="4114800"/>
+          </a:xfrm>
+          <a:prstGeom prst="rect">
+            <a:avLst/>
+          </a:prstGeom>
+        </p:spPr>
+        <p:txBody>
+          <a:bodyPr spcFirstLastPara="1" wrap="square" lIns="91425" tIns="91425" rIns="91425" bIns="91425" anchor="t" anchorCtr="0">
+            <a:noAutofit/>
+          </a:bodyPr>
+          <a:lstStyle/>
+          <a:p>
+            <a:pPr marL="0" lvl="0" indent="0" algn="l" rtl="0">
+              <a:spcBef>
+                <a:spcPts val="0"/>
+              </a:spcBef>
+              <a:spcAft>
+                <a:spcPts val="0"/>
+              </a:spcAft>
+              <a:buNone/>
+            </a:pPr>
+          </a:p>
+        </p:txBody>
+      </p:sp>
+    </p:spTree>
+  </p:cSld>
+  <p:clrMapOvr>
+    <a:masterClrMapping/>
+  </p:clrMapOvr>
+</p:notes>
+</file>
+
+<file path=ppt/notesSlides/notesSlide11.xml><?xml version="1.0" encoding="utf-8"?>
+<p:notes xmlns:a="http://schemas.openxmlformats.org/drawingml/2006/main" xmlns:r="http://schemas.openxmlformats.org/officeDocument/2006/relationships" xmlns:p="http://schemas.openxmlformats.org/presentationml/2006/main" showMasterPhAnim="0" showMasterSp="0">
+  <p:cSld>
+    <p:spTree>
+      <p:nvGrpSpPr>
         <p:cNvPr id="175" name="Shape 175"/>
         <p:cNvGrpSpPr/>
         <p:nvPr/>
@@ -910,7 +1011,106 @@
 </p:notes>
 </file>
 
-<file path=ppt/notesSlides/notesSlide11.xml><?xml version="1.0" encoding="utf-8"?>
+<file path=ppt/notesSlides/notesSlide12.xml><?xml version="1.0" encoding="utf-8"?>
+<p:notes xmlns:a="http://schemas.openxmlformats.org/drawingml/2006/main" xmlns:r="http://schemas.openxmlformats.org/officeDocument/2006/relationships" xmlns:p="http://schemas.openxmlformats.org/presentationml/2006/main" showMasterPhAnim="0" showMasterSp="0">
+  <p:cSld>
+    <p:spTree>
+      <p:nvGrpSpPr>
+        <p:cNvPr id="175" name="Shape 175"/>
+        <p:cNvGrpSpPr/>
+        <p:nvPr/>
+      </p:nvGrpSpPr>
+      <p:grpSpPr>
+        <a:xfrm>
+          <a:off x="0" y="0"/>
+          <a:ext cx="0" cy="0"/>
+          <a:chOff x="0" y="0"/>
+          <a:chExt cx="0" cy="0"/>
+        </a:xfrm>
+      </p:grpSpPr>
+      <p:sp>
+        <p:nvSpPr>
+          <p:cNvPr id="176" name="Google Shape;176;g4cf1545613_1_19:notes"/>
+          <p:cNvSpPr/>
+          <p:nvPr>
+            <p:ph type="sldImg" idx="2"/>
+          </p:nvPr>
+        </p:nvSpPr>
+        <p:spPr>
+          <a:xfrm>
+            <a:off x="381300" y="685800"/>
+            <a:ext cx="6096000" cy="3429000"/>
+          </a:xfrm>
+          <a:custGeom>
+            <a:avLst/>
+            <a:gdLst/>
+            <a:ahLst/>
+            <a:cxnLst/>
+            <a:rect l="l" t="t" r="r" b="b"/>
+            <a:pathLst>
+              <a:path w="120000" h="120000" extrusionOk="0">
+                <a:moveTo>
+                  <a:pt x="0" y="0"/>
+                </a:moveTo>
+                <a:lnTo>
+                  <a:pt x="120000" y="0"/>
+                </a:lnTo>
+                <a:lnTo>
+                  <a:pt x="120000" y="120000"/>
+                </a:lnTo>
+                <a:lnTo>
+                  <a:pt x="0" y="120000"/>
+                </a:lnTo>
+                <a:close/>
+              </a:path>
+            </a:pathLst>
+          </a:custGeom>
+        </p:spPr>
+      </p:sp>
+      <p:sp>
+        <p:nvSpPr>
+          <p:cNvPr id="177" name="Google Shape;177;g4cf1545613_1_19:notes"/>
+          <p:cNvSpPr txBox="1"/>
+          <p:nvPr>
+            <p:ph type="body" idx="1"/>
+          </p:nvPr>
+        </p:nvSpPr>
+        <p:spPr>
+          <a:xfrm>
+            <a:off x="685800" y="4343400"/>
+            <a:ext cx="5486400" cy="4114800"/>
+          </a:xfrm>
+          <a:prstGeom prst="rect">
+            <a:avLst/>
+          </a:prstGeom>
+        </p:spPr>
+        <p:txBody>
+          <a:bodyPr spcFirstLastPara="1" wrap="square" lIns="91425" tIns="91425" rIns="91425" bIns="91425" anchor="t" anchorCtr="0">
+            <a:noAutofit/>
+          </a:bodyPr>
+          <a:lstStyle/>
+          <a:p>
+            <a:pPr marL="0" lvl="0" indent="0" algn="l" rtl="0">
+              <a:spcBef>
+                <a:spcPts val="0"/>
+              </a:spcBef>
+              <a:spcAft>
+                <a:spcPts val="0"/>
+              </a:spcAft>
+              <a:buNone/>
+            </a:pPr>
+          </a:p>
+        </p:txBody>
+      </p:sp>
+    </p:spTree>
+  </p:cSld>
+  <p:clrMapOvr>
+    <a:masterClrMapping/>
+  </p:clrMapOvr>
+</p:notes>
+</file>
+
+<file path=ppt/notesSlides/notesSlide13.xml><?xml version="1.0" encoding="utf-8"?>
 <p:notes xmlns:a="http://schemas.openxmlformats.org/drawingml/2006/main" xmlns:r="http://schemas.openxmlformats.org/officeDocument/2006/relationships" xmlns:p="http://schemas.openxmlformats.org/presentationml/2006/main" showMasterPhAnim="0" showMasterSp="0">
   <p:cSld>
     <p:spTree>
@@ -1009,7 +1209,7 @@
 </p:notes>
 </file>
 
-<file path=ppt/notesSlides/notesSlide12.xml><?xml version="1.0" encoding="utf-8"?>
+<file path=ppt/notesSlides/notesSlide14.xml><?xml version="1.0" encoding="utf-8"?>
 <p:notes xmlns:a="http://schemas.openxmlformats.org/drawingml/2006/main" xmlns:r="http://schemas.openxmlformats.org/officeDocument/2006/relationships" xmlns:p="http://schemas.openxmlformats.org/presentationml/2006/main" showMasterPhAnim="0" showMasterSp="0">
   <p:cSld>
     <p:spTree>
@@ -1108,7 +1308,7 @@
 </p:notes>
 </file>
 
-<file path=ppt/notesSlides/notesSlide13.xml><?xml version="1.0" encoding="utf-8"?>
+<file path=ppt/notesSlides/notesSlide15.xml><?xml version="1.0" encoding="utf-8"?>
 <p:notes xmlns:a="http://schemas.openxmlformats.org/drawingml/2006/main" xmlns:r="http://schemas.openxmlformats.org/officeDocument/2006/relationships" xmlns:p="http://schemas.openxmlformats.org/presentationml/2006/main" showMasterPhAnim="0" showMasterSp="0">
   <p:cSld>
     <p:spTree>
@@ -1207,7 +1407,7 @@
 </p:notes>
 </file>
 
-<file path=ppt/notesSlides/notesSlide14.xml><?xml version="1.0" encoding="utf-8"?>
+<file path=ppt/notesSlides/notesSlide16.xml><?xml version="1.0" encoding="utf-8"?>
 <p:notes xmlns:a="http://schemas.openxmlformats.org/drawingml/2006/main" xmlns:r="http://schemas.openxmlformats.org/officeDocument/2006/relationships" xmlns:p="http://schemas.openxmlformats.org/presentationml/2006/main" showMasterPhAnim="0" showMasterSp="0">
   <p:cSld>
     <p:spTree>
@@ -1306,7 +1506,7 @@
 </p:notes>
 </file>
 
-<file path=ppt/notesSlides/notesSlide15.xml><?xml version="1.0" encoding="utf-8"?>
+<file path=ppt/notesSlides/notesSlide17.xml><?xml version="1.0" encoding="utf-8"?>
 <p:notes xmlns:a="http://schemas.openxmlformats.org/drawingml/2006/main" xmlns:r="http://schemas.openxmlformats.org/officeDocument/2006/relationships" xmlns:p="http://schemas.openxmlformats.org/presentationml/2006/main" showMasterPhAnim="0" showMasterSp="0">
   <p:cSld>
     <p:spTree>
@@ -1405,7 +1605,7 @@
 </p:notes>
 </file>
 
-<file path=ppt/notesSlides/notesSlide16.xml><?xml version="1.0" encoding="utf-8"?>
+<file path=ppt/notesSlides/notesSlide18.xml><?xml version="1.0" encoding="utf-8"?>
 <p:notes xmlns:a="http://schemas.openxmlformats.org/drawingml/2006/main" xmlns:r="http://schemas.openxmlformats.org/officeDocument/2006/relationships" xmlns:p="http://schemas.openxmlformats.org/presentationml/2006/main" showMasterPhAnim="0" showMasterSp="0">
   <p:cSld>
     <p:spTree>
@@ -1504,7 +1704,7 @@
 </p:notes>
 </file>
 
-<file path=ppt/notesSlides/notesSlide17.xml><?xml version="1.0" encoding="utf-8"?>
+<file path=ppt/notesSlides/notesSlide19.xml><?xml version="1.0" encoding="utf-8"?>
 <p:notes xmlns:a="http://schemas.openxmlformats.org/drawingml/2006/main" xmlns:r="http://schemas.openxmlformats.org/officeDocument/2006/relationships" xmlns:p="http://schemas.openxmlformats.org/presentationml/2006/main" showMasterPhAnim="0" showMasterSp="0">
   <p:cSld>
     <p:spTree>
@@ -1563,204 +1763,6 @@
       <p:sp>
         <p:nvSpPr>
           <p:cNvPr id="212" name="Google Shape;212;g4cf1545613_1_54:notes"/>
-          <p:cNvSpPr txBox="1"/>
-          <p:nvPr>
-            <p:ph type="body" idx="1"/>
-          </p:nvPr>
-        </p:nvSpPr>
-        <p:spPr>
-          <a:xfrm>
-            <a:off x="685800" y="4343400"/>
-            <a:ext cx="5486400" cy="4114800"/>
-          </a:xfrm>
-          <a:prstGeom prst="rect">
-            <a:avLst/>
-          </a:prstGeom>
-        </p:spPr>
-        <p:txBody>
-          <a:bodyPr spcFirstLastPara="1" wrap="square" lIns="91425" tIns="91425" rIns="91425" bIns="91425" anchor="t" anchorCtr="0">
-            <a:noAutofit/>
-          </a:bodyPr>
-          <a:lstStyle/>
-          <a:p>
-            <a:pPr marL="0" lvl="0" indent="0" algn="l" rtl="0">
-              <a:spcBef>
-                <a:spcPts val="0"/>
-              </a:spcBef>
-              <a:spcAft>
-                <a:spcPts val="0"/>
-              </a:spcAft>
-              <a:buNone/>
-            </a:pPr>
-          </a:p>
-        </p:txBody>
-      </p:sp>
-    </p:spTree>
-  </p:cSld>
-  <p:clrMapOvr>
-    <a:masterClrMapping/>
-  </p:clrMapOvr>
-</p:notes>
-</file>
-
-<file path=ppt/notesSlides/notesSlide18.xml><?xml version="1.0" encoding="utf-8"?>
-<p:notes xmlns:a="http://schemas.openxmlformats.org/drawingml/2006/main" xmlns:r="http://schemas.openxmlformats.org/officeDocument/2006/relationships" xmlns:p="http://schemas.openxmlformats.org/presentationml/2006/main" showMasterPhAnim="0" showMasterSp="0">
-  <p:cSld>
-    <p:spTree>
-      <p:nvGrpSpPr>
-        <p:cNvPr id="215" name="Shape 215"/>
-        <p:cNvGrpSpPr/>
-        <p:nvPr/>
-      </p:nvGrpSpPr>
-      <p:grpSpPr>
-        <a:xfrm>
-          <a:off x="0" y="0"/>
-          <a:ext cx="0" cy="0"/>
-          <a:chOff x="0" y="0"/>
-          <a:chExt cx="0" cy="0"/>
-        </a:xfrm>
-      </p:grpSpPr>
-      <p:sp>
-        <p:nvSpPr>
-          <p:cNvPr id="216" name="Google Shape;216;g4cf1545613_1_59:notes"/>
-          <p:cNvSpPr/>
-          <p:nvPr>
-            <p:ph type="sldImg" idx="2"/>
-          </p:nvPr>
-        </p:nvSpPr>
-        <p:spPr>
-          <a:xfrm>
-            <a:off x="381300" y="685800"/>
-            <a:ext cx="6096000" cy="3429000"/>
-          </a:xfrm>
-          <a:custGeom>
-            <a:avLst/>
-            <a:gdLst/>
-            <a:ahLst/>
-            <a:cxnLst/>
-            <a:rect l="l" t="t" r="r" b="b"/>
-            <a:pathLst>
-              <a:path w="120000" h="120000" extrusionOk="0">
-                <a:moveTo>
-                  <a:pt x="0" y="0"/>
-                </a:moveTo>
-                <a:lnTo>
-                  <a:pt x="120000" y="0"/>
-                </a:lnTo>
-                <a:lnTo>
-                  <a:pt x="120000" y="120000"/>
-                </a:lnTo>
-                <a:lnTo>
-                  <a:pt x="0" y="120000"/>
-                </a:lnTo>
-                <a:close/>
-              </a:path>
-            </a:pathLst>
-          </a:custGeom>
-        </p:spPr>
-      </p:sp>
-      <p:sp>
-        <p:nvSpPr>
-          <p:cNvPr id="217" name="Google Shape;217;g4cf1545613_1_59:notes"/>
-          <p:cNvSpPr txBox="1"/>
-          <p:nvPr>
-            <p:ph type="body" idx="1"/>
-          </p:nvPr>
-        </p:nvSpPr>
-        <p:spPr>
-          <a:xfrm>
-            <a:off x="685800" y="4343400"/>
-            <a:ext cx="5486400" cy="4114800"/>
-          </a:xfrm>
-          <a:prstGeom prst="rect">
-            <a:avLst/>
-          </a:prstGeom>
-        </p:spPr>
-        <p:txBody>
-          <a:bodyPr spcFirstLastPara="1" wrap="square" lIns="91425" tIns="91425" rIns="91425" bIns="91425" anchor="t" anchorCtr="0">
-            <a:noAutofit/>
-          </a:bodyPr>
-          <a:lstStyle/>
-          <a:p>
-            <a:pPr marL="0" lvl="0" indent="0" algn="l" rtl="0">
-              <a:spcBef>
-                <a:spcPts val="0"/>
-              </a:spcBef>
-              <a:spcAft>
-                <a:spcPts val="0"/>
-              </a:spcAft>
-              <a:buNone/>
-            </a:pPr>
-          </a:p>
-        </p:txBody>
-      </p:sp>
-    </p:spTree>
-  </p:cSld>
-  <p:clrMapOvr>
-    <a:masterClrMapping/>
-  </p:clrMapOvr>
-</p:notes>
-</file>
-
-<file path=ppt/notesSlides/notesSlide19.xml><?xml version="1.0" encoding="utf-8"?>
-<p:notes xmlns:a="http://schemas.openxmlformats.org/drawingml/2006/main" xmlns:r="http://schemas.openxmlformats.org/officeDocument/2006/relationships" xmlns:p="http://schemas.openxmlformats.org/presentationml/2006/main" showMasterPhAnim="0" showMasterSp="0">
-  <p:cSld>
-    <p:spTree>
-      <p:nvGrpSpPr>
-        <p:cNvPr id="220" name="Shape 220"/>
-        <p:cNvGrpSpPr/>
-        <p:nvPr/>
-      </p:nvGrpSpPr>
-      <p:grpSpPr>
-        <a:xfrm>
-          <a:off x="0" y="0"/>
-          <a:ext cx="0" cy="0"/>
-          <a:chOff x="0" y="0"/>
-          <a:chExt cx="0" cy="0"/>
-        </a:xfrm>
-      </p:grpSpPr>
-      <p:sp>
-        <p:nvSpPr>
-          <p:cNvPr id="221" name="Google Shape;221;g4cf1545613_1_64:notes"/>
-          <p:cNvSpPr/>
-          <p:nvPr>
-            <p:ph type="sldImg" idx="2"/>
-          </p:nvPr>
-        </p:nvSpPr>
-        <p:spPr>
-          <a:xfrm>
-            <a:off x="381300" y="685800"/>
-            <a:ext cx="6096000" cy="3429000"/>
-          </a:xfrm>
-          <a:custGeom>
-            <a:avLst/>
-            <a:gdLst/>
-            <a:ahLst/>
-            <a:cxnLst/>
-            <a:rect l="l" t="t" r="r" b="b"/>
-            <a:pathLst>
-              <a:path w="120000" h="120000" extrusionOk="0">
-                <a:moveTo>
-                  <a:pt x="0" y="0"/>
-                </a:moveTo>
-                <a:lnTo>
-                  <a:pt x="120000" y="0"/>
-                </a:lnTo>
-                <a:lnTo>
-                  <a:pt x="120000" y="120000"/>
-                </a:lnTo>
-                <a:lnTo>
-                  <a:pt x="0" y="120000"/>
-                </a:lnTo>
-                <a:close/>
-              </a:path>
-            </a:pathLst>
-          </a:custGeom>
-        </p:spPr>
-      </p:sp>
-      <p:sp>
-        <p:nvSpPr>
-          <p:cNvPr id="222" name="Google Shape;222;g4cf1545613_1_64:notes"/>
           <p:cNvSpPr txBox="1"/>
           <p:nvPr>
             <p:ph type="body" idx="1"/>
@@ -1905,6 +1907,204 @@
   <p:cSld>
     <p:spTree>
       <p:nvGrpSpPr>
+        <p:cNvPr id="215" name="Shape 215"/>
+        <p:cNvGrpSpPr/>
+        <p:nvPr/>
+      </p:nvGrpSpPr>
+      <p:grpSpPr>
+        <a:xfrm>
+          <a:off x="0" y="0"/>
+          <a:ext cx="0" cy="0"/>
+          <a:chOff x="0" y="0"/>
+          <a:chExt cx="0" cy="0"/>
+        </a:xfrm>
+      </p:grpSpPr>
+      <p:sp>
+        <p:nvSpPr>
+          <p:cNvPr id="216" name="Google Shape;216;g4cf1545613_1_59:notes"/>
+          <p:cNvSpPr/>
+          <p:nvPr>
+            <p:ph type="sldImg" idx="2"/>
+          </p:nvPr>
+        </p:nvSpPr>
+        <p:spPr>
+          <a:xfrm>
+            <a:off x="381300" y="685800"/>
+            <a:ext cx="6096000" cy="3429000"/>
+          </a:xfrm>
+          <a:custGeom>
+            <a:avLst/>
+            <a:gdLst/>
+            <a:ahLst/>
+            <a:cxnLst/>
+            <a:rect l="l" t="t" r="r" b="b"/>
+            <a:pathLst>
+              <a:path w="120000" h="120000" extrusionOk="0">
+                <a:moveTo>
+                  <a:pt x="0" y="0"/>
+                </a:moveTo>
+                <a:lnTo>
+                  <a:pt x="120000" y="0"/>
+                </a:lnTo>
+                <a:lnTo>
+                  <a:pt x="120000" y="120000"/>
+                </a:lnTo>
+                <a:lnTo>
+                  <a:pt x="0" y="120000"/>
+                </a:lnTo>
+                <a:close/>
+              </a:path>
+            </a:pathLst>
+          </a:custGeom>
+        </p:spPr>
+      </p:sp>
+      <p:sp>
+        <p:nvSpPr>
+          <p:cNvPr id="217" name="Google Shape;217;g4cf1545613_1_59:notes"/>
+          <p:cNvSpPr txBox="1"/>
+          <p:nvPr>
+            <p:ph type="body" idx="1"/>
+          </p:nvPr>
+        </p:nvSpPr>
+        <p:spPr>
+          <a:xfrm>
+            <a:off x="685800" y="4343400"/>
+            <a:ext cx="5486400" cy="4114800"/>
+          </a:xfrm>
+          <a:prstGeom prst="rect">
+            <a:avLst/>
+          </a:prstGeom>
+        </p:spPr>
+        <p:txBody>
+          <a:bodyPr spcFirstLastPara="1" wrap="square" lIns="91425" tIns="91425" rIns="91425" bIns="91425" anchor="t" anchorCtr="0">
+            <a:noAutofit/>
+          </a:bodyPr>
+          <a:lstStyle/>
+          <a:p>
+            <a:pPr marL="0" lvl="0" indent="0" algn="l" rtl="0">
+              <a:spcBef>
+                <a:spcPts val="0"/>
+              </a:spcBef>
+              <a:spcAft>
+                <a:spcPts val="0"/>
+              </a:spcAft>
+              <a:buNone/>
+            </a:pPr>
+          </a:p>
+        </p:txBody>
+      </p:sp>
+    </p:spTree>
+  </p:cSld>
+  <p:clrMapOvr>
+    <a:masterClrMapping/>
+  </p:clrMapOvr>
+</p:notes>
+</file>
+
+<file path=ppt/notesSlides/notesSlide21.xml><?xml version="1.0" encoding="utf-8"?>
+<p:notes xmlns:a="http://schemas.openxmlformats.org/drawingml/2006/main" xmlns:r="http://schemas.openxmlformats.org/officeDocument/2006/relationships" xmlns:p="http://schemas.openxmlformats.org/presentationml/2006/main" showMasterPhAnim="0" showMasterSp="0">
+  <p:cSld>
+    <p:spTree>
+      <p:nvGrpSpPr>
+        <p:cNvPr id="220" name="Shape 220"/>
+        <p:cNvGrpSpPr/>
+        <p:nvPr/>
+      </p:nvGrpSpPr>
+      <p:grpSpPr>
+        <a:xfrm>
+          <a:off x="0" y="0"/>
+          <a:ext cx="0" cy="0"/>
+          <a:chOff x="0" y="0"/>
+          <a:chExt cx="0" cy="0"/>
+        </a:xfrm>
+      </p:grpSpPr>
+      <p:sp>
+        <p:nvSpPr>
+          <p:cNvPr id="221" name="Google Shape;221;g4cf1545613_1_64:notes"/>
+          <p:cNvSpPr/>
+          <p:nvPr>
+            <p:ph type="sldImg" idx="2"/>
+          </p:nvPr>
+        </p:nvSpPr>
+        <p:spPr>
+          <a:xfrm>
+            <a:off x="381300" y="685800"/>
+            <a:ext cx="6096000" cy="3429000"/>
+          </a:xfrm>
+          <a:custGeom>
+            <a:avLst/>
+            <a:gdLst/>
+            <a:ahLst/>
+            <a:cxnLst/>
+            <a:rect l="l" t="t" r="r" b="b"/>
+            <a:pathLst>
+              <a:path w="120000" h="120000" extrusionOk="0">
+                <a:moveTo>
+                  <a:pt x="0" y="0"/>
+                </a:moveTo>
+                <a:lnTo>
+                  <a:pt x="120000" y="0"/>
+                </a:lnTo>
+                <a:lnTo>
+                  <a:pt x="120000" y="120000"/>
+                </a:lnTo>
+                <a:lnTo>
+                  <a:pt x="0" y="120000"/>
+                </a:lnTo>
+                <a:close/>
+              </a:path>
+            </a:pathLst>
+          </a:custGeom>
+        </p:spPr>
+      </p:sp>
+      <p:sp>
+        <p:nvSpPr>
+          <p:cNvPr id="222" name="Google Shape;222;g4cf1545613_1_64:notes"/>
+          <p:cNvSpPr txBox="1"/>
+          <p:nvPr>
+            <p:ph type="body" idx="1"/>
+          </p:nvPr>
+        </p:nvSpPr>
+        <p:spPr>
+          <a:xfrm>
+            <a:off x="685800" y="4343400"/>
+            <a:ext cx="5486400" cy="4114800"/>
+          </a:xfrm>
+          <a:prstGeom prst="rect">
+            <a:avLst/>
+          </a:prstGeom>
+        </p:spPr>
+        <p:txBody>
+          <a:bodyPr spcFirstLastPara="1" wrap="square" lIns="91425" tIns="91425" rIns="91425" bIns="91425" anchor="t" anchorCtr="0">
+            <a:noAutofit/>
+          </a:bodyPr>
+          <a:lstStyle/>
+          <a:p>
+            <a:pPr marL="0" lvl="0" indent="0" algn="l" rtl="0">
+              <a:spcBef>
+                <a:spcPts val="0"/>
+              </a:spcBef>
+              <a:spcAft>
+                <a:spcPts val="0"/>
+              </a:spcAft>
+              <a:buNone/>
+            </a:pPr>
+          </a:p>
+        </p:txBody>
+      </p:sp>
+    </p:spTree>
+  </p:cSld>
+  <p:clrMapOvr>
+    <a:masterClrMapping/>
+  </p:clrMapOvr>
+</p:notes>
+</file>
+
+<file path=ppt/notesSlides/notesSlide22.xml><?xml version="1.0" encoding="utf-8"?>
+<p:notes xmlns:a="http://schemas.openxmlformats.org/drawingml/2006/main" xmlns:r="http://schemas.openxmlformats.org/officeDocument/2006/relationships" xmlns:p="http://schemas.openxmlformats.org/presentationml/2006/main" showMasterPhAnim="0" showMasterSp="0">
+  <p:cSld>
+    <p:spTree>
+      <p:nvGrpSpPr>
         <p:cNvPr id="225" name="Shape 225"/>
         <p:cNvGrpSpPr/>
         <p:nvPr/>
@@ -2301,6 +2501,105 @@
   <p:cSld>
     <p:spTree>
       <p:nvGrpSpPr>
+        <p:cNvPr id="150" name="Shape 150"/>
+        <p:cNvGrpSpPr/>
+        <p:nvPr/>
+      </p:nvGrpSpPr>
+      <p:grpSpPr>
+        <a:xfrm>
+          <a:off x="0" y="0"/>
+          <a:ext cx="0" cy="0"/>
+          <a:chOff x="0" y="0"/>
+          <a:chExt cx="0" cy="0"/>
+        </a:xfrm>
+      </p:grpSpPr>
+      <p:sp>
+        <p:nvSpPr>
+          <p:cNvPr id="151" name="Google Shape;151;g4cf1545613_1_0:notes"/>
+          <p:cNvSpPr/>
+          <p:nvPr>
+            <p:ph type="sldImg" idx="2"/>
+          </p:nvPr>
+        </p:nvSpPr>
+        <p:spPr>
+          <a:xfrm>
+            <a:off x="381300" y="685800"/>
+            <a:ext cx="6096000" cy="3429000"/>
+          </a:xfrm>
+          <a:custGeom>
+            <a:avLst/>
+            <a:gdLst/>
+            <a:ahLst/>
+            <a:cxnLst/>
+            <a:rect l="l" t="t" r="r" b="b"/>
+            <a:pathLst>
+              <a:path w="120000" h="120000" extrusionOk="0">
+                <a:moveTo>
+                  <a:pt x="0" y="0"/>
+                </a:moveTo>
+                <a:lnTo>
+                  <a:pt x="120000" y="0"/>
+                </a:lnTo>
+                <a:lnTo>
+                  <a:pt x="120000" y="120000"/>
+                </a:lnTo>
+                <a:lnTo>
+                  <a:pt x="0" y="120000"/>
+                </a:lnTo>
+                <a:close/>
+              </a:path>
+            </a:pathLst>
+          </a:custGeom>
+        </p:spPr>
+      </p:sp>
+      <p:sp>
+        <p:nvSpPr>
+          <p:cNvPr id="152" name="Google Shape;152;g4cf1545613_1_0:notes"/>
+          <p:cNvSpPr txBox="1"/>
+          <p:nvPr>
+            <p:ph type="body" idx="1"/>
+          </p:nvPr>
+        </p:nvSpPr>
+        <p:spPr>
+          <a:xfrm>
+            <a:off x="685800" y="4343400"/>
+            <a:ext cx="5486400" cy="4114800"/>
+          </a:xfrm>
+          <a:prstGeom prst="rect">
+            <a:avLst/>
+          </a:prstGeom>
+        </p:spPr>
+        <p:txBody>
+          <a:bodyPr spcFirstLastPara="1" wrap="square" lIns="91425" tIns="91425" rIns="91425" bIns="91425" anchor="t" anchorCtr="0">
+            <a:noAutofit/>
+          </a:bodyPr>
+          <a:lstStyle/>
+          <a:p>
+            <a:pPr marL="0" lvl="0" indent="0" algn="l" rtl="0">
+              <a:spcBef>
+                <a:spcPts val="0"/>
+              </a:spcBef>
+              <a:spcAft>
+                <a:spcPts val="0"/>
+              </a:spcAft>
+              <a:buNone/>
+            </a:pPr>
+          </a:p>
+        </p:txBody>
+      </p:sp>
+    </p:spTree>
+  </p:cSld>
+  <p:clrMapOvr>
+    <a:masterClrMapping/>
+  </p:clrMapOvr>
+</p:notes>
+</file>
+
+<file path=ppt/notesSlides/notesSlide7.xml><?xml version="1.0" encoding="utf-8"?>
+<p:notes xmlns:a="http://schemas.openxmlformats.org/drawingml/2006/main" xmlns:r="http://schemas.openxmlformats.org/officeDocument/2006/relationships" xmlns:p="http://schemas.openxmlformats.org/presentationml/2006/main" showMasterPhAnim="0" showMasterSp="0">
+  <p:cSld>
+    <p:spTree>
+      <p:nvGrpSpPr>
         <p:cNvPr id="155" name="Shape 155"/>
         <p:cNvGrpSpPr/>
         <p:nvPr/>
@@ -2395,7 +2694,7 @@
 </p:notes>
 </file>
 
-<file path=ppt/notesSlides/notesSlide7.xml><?xml version="1.0" encoding="utf-8"?>
+<file path=ppt/notesSlides/notesSlide8.xml><?xml version="1.0" encoding="utf-8"?>
 <p:notes xmlns:a="http://schemas.openxmlformats.org/drawingml/2006/main" xmlns:r="http://schemas.openxmlformats.org/officeDocument/2006/relationships" xmlns:p="http://schemas.openxmlformats.org/presentationml/2006/main" showMasterPhAnim="0" showMasterSp="0">
   <p:cSld>
     <p:spTree>
@@ -2494,7 +2793,7 @@
 </p:notes>
 </file>
 
-<file path=ppt/notesSlides/notesSlide8.xml><?xml version="1.0" encoding="utf-8"?>
+<file path=ppt/notesSlides/notesSlide9.xml><?xml version="1.0" encoding="utf-8"?>
 <p:notes xmlns:a="http://schemas.openxmlformats.org/drawingml/2006/main" xmlns:r="http://schemas.openxmlformats.org/officeDocument/2006/relationships" xmlns:p="http://schemas.openxmlformats.org/presentationml/2006/main" showMasterPhAnim="0" showMasterSp="0">
   <p:cSld>
     <p:spTree>
@@ -2553,105 +2852,6 @@
       <p:sp>
         <p:nvSpPr>
           <p:cNvPr id="167" name="Google Shape;167;g4cf1545613_1_14:notes"/>
-          <p:cNvSpPr txBox="1"/>
-          <p:nvPr>
-            <p:ph type="body" idx="1"/>
-          </p:nvPr>
-        </p:nvSpPr>
-        <p:spPr>
-          <a:xfrm>
-            <a:off x="685800" y="4343400"/>
-            <a:ext cx="5486400" cy="4114800"/>
-          </a:xfrm>
-          <a:prstGeom prst="rect">
-            <a:avLst/>
-          </a:prstGeom>
-        </p:spPr>
-        <p:txBody>
-          <a:bodyPr spcFirstLastPara="1" wrap="square" lIns="91425" tIns="91425" rIns="91425" bIns="91425" anchor="t" anchorCtr="0">
-            <a:noAutofit/>
-          </a:bodyPr>
-          <a:lstStyle/>
-          <a:p>
-            <a:pPr marL="0" lvl="0" indent="0" algn="l" rtl="0">
-              <a:spcBef>
-                <a:spcPts val="0"/>
-              </a:spcBef>
-              <a:spcAft>
-                <a:spcPts val="0"/>
-              </a:spcAft>
-              <a:buNone/>
-            </a:pPr>
-          </a:p>
-        </p:txBody>
-      </p:sp>
-    </p:spTree>
-  </p:cSld>
-  <p:clrMapOvr>
-    <a:masterClrMapping/>
-  </p:clrMapOvr>
-</p:notes>
-</file>
-
-<file path=ppt/notesSlides/notesSlide9.xml><?xml version="1.0" encoding="utf-8"?>
-<p:notes xmlns:a="http://schemas.openxmlformats.org/drawingml/2006/main" xmlns:r="http://schemas.openxmlformats.org/officeDocument/2006/relationships" xmlns:p="http://schemas.openxmlformats.org/presentationml/2006/main" showMasterPhAnim="0" showMasterSp="0">
-  <p:cSld>
-    <p:spTree>
-      <p:nvGrpSpPr>
-        <p:cNvPr id="170" name="Shape 170"/>
-        <p:cNvGrpSpPr/>
-        <p:nvPr/>
-      </p:nvGrpSpPr>
-      <p:grpSpPr>
-        <a:xfrm>
-          <a:off x="0" y="0"/>
-          <a:ext cx="0" cy="0"/>
-          <a:chOff x="0" y="0"/>
-          <a:chExt cx="0" cy="0"/>
-        </a:xfrm>
-      </p:grpSpPr>
-      <p:sp>
-        <p:nvSpPr>
-          <p:cNvPr id="171" name="Google Shape;171;g4cf1545613_1_24:notes"/>
-          <p:cNvSpPr/>
-          <p:nvPr>
-            <p:ph type="sldImg" idx="2"/>
-          </p:nvPr>
-        </p:nvSpPr>
-        <p:spPr>
-          <a:xfrm>
-            <a:off x="381300" y="685800"/>
-            <a:ext cx="6096000" cy="3429000"/>
-          </a:xfrm>
-          <a:custGeom>
-            <a:avLst/>
-            <a:gdLst/>
-            <a:ahLst/>
-            <a:cxnLst/>
-            <a:rect l="l" t="t" r="r" b="b"/>
-            <a:pathLst>
-              <a:path w="120000" h="120000" extrusionOk="0">
-                <a:moveTo>
-                  <a:pt x="0" y="0"/>
-                </a:moveTo>
-                <a:lnTo>
-                  <a:pt x="120000" y="0"/>
-                </a:lnTo>
-                <a:lnTo>
-                  <a:pt x="120000" y="120000"/>
-                </a:lnTo>
-                <a:lnTo>
-                  <a:pt x="0" y="120000"/>
-                </a:lnTo>
-                <a:close/>
-              </a:path>
-            </a:pathLst>
-          </a:custGeom>
-        </p:spPr>
-      </p:sp>
-      <p:sp>
-        <p:nvSpPr>
-          <p:cNvPr id="172" name="Google Shape;172;g4cf1545613_1_24:notes"/>
           <p:cNvSpPr txBox="1"/>
           <p:nvPr>
             <p:ph type="body" idx="1"/>
@@ -10634,6 +10834,311 @@
     </p:bg>
     <p:spTree>
       <p:nvGrpSpPr>
+        <p:cNvPr id="173" name="Shape 173"/>
+        <p:cNvGrpSpPr/>
+        <p:nvPr/>
+      </p:nvGrpSpPr>
+      <p:grpSpPr>
+        <a:xfrm>
+          <a:off x="0" y="0"/>
+          <a:ext cx="0" cy="0"/>
+          <a:chOff x="0" y="0"/>
+          <a:chExt cx="0" cy="0"/>
+        </a:xfrm>
+      </p:grpSpPr>
+      <p:sp>
+        <p:nvSpPr>
+          <p:cNvPr id="174" name="Google Shape;174;p21"/>
+          <p:cNvSpPr txBox="1"/>
+          <p:nvPr/>
+        </p:nvSpPr>
+        <p:spPr>
+          <a:xfrm>
+            <a:off x="254775" y="183125"/>
+            <a:ext cx="8726400" cy="4848900"/>
+          </a:xfrm>
+          <a:prstGeom prst="rect">
+            <a:avLst/>
+          </a:prstGeom>
+          <a:noFill/>
+          <a:ln>
+            <a:noFill/>
+          </a:ln>
+        </p:spPr>
+        <p:txBody>
+          <a:bodyPr spcFirstLastPara="1" wrap="square" lIns="91425" tIns="91425" rIns="91425" bIns="91425" anchor="t" anchorCtr="0">
+            <a:noAutofit/>
+          </a:bodyPr>
+          <a:lstStyle/>
+          <a:p>
+            <a:pPr marL="457200" lvl="0" indent="-381000" algn="l" rtl="0">
+              <a:spcBef>
+                <a:spcPts val="0"/>
+              </a:spcBef>
+              <a:spcAft>
+                <a:spcPts val="0"/>
+              </a:spcAft>
+              <a:buSzPts val="2400"/>
+              <a:buFont typeface="Montserrat"/>
+              <a:buChar char="●"/>
+            </a:pPr>
+            <a:r>
+              <a:rPr lang="pt-BR" sz="2400" b="1">
+                <a:latin typeface="Montserrat"/>
+                <a:ea typeface="Montserrat"/>
+                <a:cs typeface="Montserrat"/>
+                <a:sym typeface="Montserrat"/>
+              </a:rPr>
+              <a:t>Passo 1</a:t>
+            </a:r>
+            <a:r>
+              <a:rPr lang="pt-BR" sz="2400">
+                <a:latin typeface="Montserrat"/>
+                <a:ea typeface="Montserrat"/>
+                <a:cs typeface="Montserrat"/>
+                <a:sym typeface="Montserrat"/>
+              </a:rPr>
+              <a:t>: Recursivamente dividir o vetor até sobrar unidades</a:t>
+            </a:r>
+            <a:r>
+              <a:rPr lang="en-US" altLang="pt-BR" sz="2400">
+                <a:latin typeface="Montserrat"/>
+                <a:ea typeface="Montserrat"/>
+                <a:cs typeface="Montserrat"/>
+                <a:sym typeface="Montserrat"/>
+              </a:rPr>
+              <a:t>;</a:t>
+            </a:r>
+            <a:endParaRPr lang="pt-BR" sz="2400">
+              <a:latin typeface="Montserrat"/>
+              <a:ea typeface="Montserrat"/>
+              <a:cs typeface="Montserrat"/>
+              <a:sym typeface="Montserrat"/>
+            </a:endParaRPr>
+          </a:p>
+          <a:p>
+            <a:pPr marL="457200" lvl="0" indent="-381000" algn="l" rtl="0">
+              <a:spcBef>
+                <a:spcPts val="0"/>
+              </a:spcBef>
+              <a:spcAft>
+                <a:spcPts val="0"/>
+              </a:spcAft>
+              <a:buSzPts val="2400"/>
+              <a:buFont typeface="Montserrat"/>
+              <a:buChar char="●"/>
+            </a:pPr>
+            <a:endParaRPr lang="pt-BR" sz="2400">
+              <a:latin typeface="Montserrat"/>
+              <a:ea typeface="Montserrat"/>
+              <a:cs typeface="Montserrat"/>
+              <a:sym typeface="Montserrat"/>
+            </a:endParaRPr>
+          </a:p>
+          <a:p>
+            <a:pPr marL="457200" lvl="0" indent="-381000" algn="l" rtl="0">
+              <a:spcBef>
+                <a:spcPts val="0"/>
+              </a:spcBef>
+              <a:spcAft>
+                <a:spcPts val="0"/>
+              </a:spcAft>
+              <a:buSzPts val="2400"/>
+              <a:buFont typeface="Montserrat"/>
+              <a:buChar char="●"/>
+            </a:pPr>
+            <a:r>
+              <a:rPr lang="en-US" altLang="pt-BR" sz="2400" b="1">
+                <a:latin typeface="Montserrat"/>
+                <a:ea typeface="Montserrat"/>
+                <a:cs typeface="Montserrat"/>
+                <a:sym typeface="Montserrat"/>
+              </a:rPr>
+              <a:t>Passo 2</a:t>
+            </a:r>
+            <a:r>
+              <a:rPr lang="en-US" altLang="pt-BR" sz="2400">
+                <a:latin typeface="Montserrat"/>
+                <a:ea typeface="Montserrat"/>
+                <a:cs typeface="Montserrat"/>
+                <a:sym typeface="Montserrat"/>
+              </a:rPr>
+              <a:t>: Supõe-se que quando sobram apenas unidades as mesmas estão ordenadas;</a:t>
+            </a:r>
+            <a:endParaRPr lang="en-US" altLang="pt-BR" sz="2400">
+              <a:latin typeface="Montserrat"/>
+              <a:ea typeface="Montserrat"/>
+              <a:cs typeface="Montserrat"/>
+              <a:sym typeface="Montserrat"/>
+            </a:endParaRPr>
+          </a:p>
+          <a:p>
+            <a:pPr marL="457200" lvl="0" indent="-381000" algn="l" rtl="0">
+              <a:spcBef>
+                <a:spcPts val="0"/>
+              </a:spcBef>
+              <a:spcAft>
+                <a:spcPts val="0"/>
+              </a:spcAft>
+              <a:buSzPts val="2400"/>
+              <a:buFont typeface="Montserrat"/>
+              <a:buChar char="●"/>
+            </a:pPr>
+            <a:endParaRPr sz="2400">
+              <a:latin typeface="Montserrat"/>
+              <a:ea typeface="Montserrat"/>
+              <a:cs typeface="Montserrat"/>
+              <a:sym typeface="Montserrat"/>
+            </a:endParaRPr>
+          </a:p>
+          <a:p>
+            <a:pPr marL="457200" lvl="0" indent="-381000" algn="l" rtl="0">
+              <a:spcBef>
+                <a:spcPts val="0"/>
+              </a:spcBef>
+              <a:spcAft>
+                <a:spcPts val="0"/>
+              </a:spcAft>
+              <a:buSzPts val="2400"/>
+              <a:buFont typeface="Montserrat"/>
+              <a:buChar char="●"/>
+            </a:pPr>
+            <a:r>
+              <a:rPr lang="pt-BR" sz="2400" b="1">
+                <a:latin typeface="Montserrat"/>
+                <a:ea typeface="Montserrat"/>
+                <a:cs typeface="Montserrat"/>
+                <a:sym typeface="Montserrat"/>
+              </a:rPr>
+              <a:t>Passo </a:t>
+            </a:r>
+            <a:r>
+              <a:rPr lang="en-US" altLang="pt-BR" sz="2400" b="1">
+                <a:latin typeface="Montserrat"/>
+                <a:ea typeface="Montserrat"/>
+                <a:cs typeface="Montserrat"/>
+                <a:sym typeface="Montserrat"/>
+              </a:rPr>
+              <a:t>3</a:t>
+            </a:r>
+            <a:r>
+              <a:rPr lang="pt-BR" sz="2400">
+                <a:latin typeface="Montserrat"/>
+                <a:ea typeface="Montserrat"/>
+                <a:cs typeface="Montserrat"/>
+                <a:sym typeface="Montserrat"/>
+              </a:rPr>
+              <a:t>: </a:t>
+            </a:r>
+            <a:r>
+              <a:rPr lang="en-US" altLang="pt-BR" sz="2400">
+                <a:latin typeface="Montserrat"/>
+                <a:ea typeface="Montserrat"/>
+                <a:cs typeface="Montserrat"/>
+                <a:sym typeface="Montserrat"/>
+              </a:rPr>
+              <a:t>Após isso realizar a ordenação com a unidade adjacente (merge).</a:t>
+            </a:r>
+            <a:endParaRPr sz="2400">
+              <a:latin typeface="Montserrat"/>
+              <a:ea typeface="Montserrat"/>
+              <a:cs typeface="Montserrat"/>
+              <a:sym typeface="Montserrat"/>
+            </a:endParaRPr>
+          </a:p>
+          <a:p>
+            <a:pPr marL="0" lvl="0" indent="0" algn="l" rtl="0">
+              <a:spcBef>
+                <a:spcPts val="0"/>
+              </a:spcBef>
+              <a:spcAft>
+                <a:spcPts val="0"/>
+              </a:spcAft>
+              <a:buNone/>
+            </a:pPr>
+            <a:endParaRPr sz="2400">
+              <a:latin typeface="Montserrat"/>
+              <a:ea typeface="Montserrat"/>
+              <a:cs typeface="Montserrat"/>
+              <a:sym typeface="Montserrat"/>
+            </a:endParaRPr>
+          </a:p>
+          <a:p>
+            <a:pPr marL="457200" lvl="0" indent="-381000" algn="l" rtl="0">
+              <a:spcBef>
+                <a:spcPts val="0"/>
+              </a:spcBef>
+              <a:spcAft>
+                <a:spcPts val="0"/>
+              </a:spcAft>
+              <a:buSzPts val="2400"/>
+              <a:buFont typeface="Montserrat"/>
+              <a:buChar char="●"/>
+            </a:pPr>
+            <a:endParaRPr sz="2400">
+              <a:latin typeface="Montserrat"/>
+              <a:ea typeface="Montserrat"/>
+              <a:cs typeface="Montserrat"/>
+              <a:sym typeface="Montserrat"/>
+            </a:endParaRPr>
+          </a:p>
+          <a:p>
+            <a:pPr marL="0" lvl="0" indent="0" algn="l" rtl="0">
+              <a:spcBef>
+                <a:spcPts val="0"/>
+              </a:spcBef>
+              <a:spcAft>
+                <a:spcPts val="0"/>
+              </a:spcAft>
+              <a:buNone/>
+            </a:pPr>
+            <a:endParaRPr sz="2400">
+              <a:latin typeface="Montserrat"/>
+              <a:ea typeface="Montserrat"/>
+              <a:cs typeface="Montserrat"/>
+              <a:sym typeface="Montserrat"/>
+            </a:endParaRPr>
+          </a:p>
+          <a:p>
+            <a:pPr marL="457200" lvl="0" indent="0" algn="l" rtl="0">
+              <a:spcBef>
+                <a:spcPts val="0"/>
+              </a:spcBef>
+              <a:spcAft>
+                <a:spcPts val="0"/>
+              </a:spcAft>
+              <a:buNone/>
+            </a:pPr>
+            <a:endParaRPr sz="2400">
+              <a:latin typeface="Montserrat"/>
+              <a:ea typeface="Montserrat"/>
+              <a:cs typeface="Montserrat"/>
+              <a:sym typeface="Montserrat"/>
+            </a:endParaRPr>
+          </a:p>
+        </p:txBody>
+      </p:sp>
+    </p:spTree>
+  </p:cSld>
+  <p:clrMapOvr>
+    <a:masterClrMapping/>
+  </p:clrMapOvr>
+</p:sld>
+</file>
+
+<file path=ppt/slides/slide11.xml><?xml version="1.0" encoding="utf-8"?>
+<p:sld xmlns:a="http://schemas.openxmlformats.org/drawingml/2006/main" xmlns:r="http://schemas.openxmlformats.org/officeDocument/2006/relationships" xmlns:p="http://schemas.openxmlformats.org/presentationml/2006/main">
+  <p:cSld>
+    <p:bg>
+      <p:bgPr>
+        <a:solidFill>
+          <a:srgbClr val="93C47D"/>
+        </a:solidFill>
+        <a:effectLst/>
+      </p:bgPr>
+    </p:bg>
+    <p:spTree>
+      <p:nvGrpSpPr>
         <p:cNvPr id="178" name="Shape 178"/>
         <p:cNvGrpSpPr/>
         <p:nvPr/>
@@ -10680,7 +11185,64 @@
 </p:sld>
 </file>
 
-<file path=ppt/slides/slide11.xml><?xml version="1.0" encoding="utf-8"?>
+<file path=ppt/slides/slide12.xml><?xml version="1.0" encoding="utf-8"?>
+<p:sld xmlns:a="http://schemas.openxmlformats.org/drawingml/2006/main" xmlns:r="http://schemas.openxmlformats.org/officeDocument/2006/relationships" xmlns:p="http://schemas.openxmlformats.org/presentationml/2006/main">
+  <p:cSld>
+    <p:bg>
+      <p:bgPr>
+        <a:solidFill>
+          <a:srgbClr val="93C47D"/>
+        </a:solidFill>
+        <a:effectLst/>
+      </p:bgPr>
+    </p:bg>
+    <p:spTree>
+      <p:nvGrpSpPr>
+        <p:cNvPr id="178" name="Shape 178"/>
+        <p:cNvGrpSpPr/>
+        <p:nvPr/>
+      </p:nvGrpSpPr>
+      <p:grpSpPr>
+        <a:xfrm>
+          <a:off x="0" y="0"/>
+          <a:ext cx="0" cy="0"/>
+          <a:chOff x="0" y="0"/>
+          <a:chExt cx="0" cy="0"/>
+        </a:xfrm>
+      </p:grpSpPr>
+      <p:pic>
+        <p:nvPicPr>
+          <p:cNvPr id="1" name="Picture 0" descr="Merge-sort-example-300px"/>
+          <p:cNvPicPr>
+            <a:picLocks noChangeAspect="1"/>
+          </p:cNvPicPr>
+          <p:nvPr/>
+        </p:nvPicPr>
+        <p:blipFill>
+          <a:blip r:embed="rId1"/>
+          <a:stretch>
+            <a:fillRect/>
+          </a:stretch>
+        </p:blipFill>
+        <p:spPr>
+          <a:xfrm>
+            <a:off x="1258570" y="583565"/>
+            <a:ext cx="6626860" cy="3977005"/>
+          </a:xfrm>
+          <a:prstGeom prst="rect">
+            <a:avLst/>
+          </a:prstGeom>
+        </p:spPr>
+      </p:pic>
+    </p:spTree>
+  </p:cSld>
+  <p:clrMapOvr>
+    <a:masterClrMapping/>
+  </p:clrMapOvr>
+</p:sld>
+</file>
+
+<file path=ppt/slides/slide13.xml><?xml version="1.0" encoding="utf-8"?>
 <p:sld xmlns:a="http://schemas.openxmlformats.org/drawingml/2006/main" xmlns:r="http://schemas.openxmlformats.org/officeDocument/2006/relationships" xmlns:p="http://schemas.openxmlformats.org/presentationml/2006/main">
   <p:cSld>
     <p:bg>
@@ -10930,7 +11492,7 @@
 </p:sld>
 </file>
 
-<file path=ppt/slides/slide12.xml><?xml version="1.0" encoding="utf-8"?>
+<file path=ppt/slides/slide14.xml><?xml version="1.0" encoding="utf-8"?>
 <p:sld xmlns:a="http://schemas.openxmlformats.org/drawingml/2006/main" xmlns:r="http://schemas.openxmlformats.org/officeDocument/2006/relationships" xmlns:p="http://schemas.openxmlformats.org/presentationml/2006/main">
   <p:cSld>
     <p:bg>
@@ -11071,7 +11633,7 @@
 </p:sld>
 </file>
 
-<file path=ppt/slides/slide13.xml><?xml version="1.0" encoding="utf-8"?>
+<file path=ppt/slides/slide15.xml><?xml version="1.0" encoding="utf-8"?>
 <p:sld xmlns:a="http://schemas.openxmlformats.org/drawingml/2006/main" xmlns:r="http://schemas.openxmlformats.org/officeDocument/2006/relationships" xmlns:p="http://schemas.openxmlformats.org/presentationml/2006/main">
   <p:cSld>
     <p:bg>
@@ -11234,7 +11796,7 @@
 </p:sld>
 </file>
 
-<file path=ppt/slides/slide14.xml><?xml version="1.0" encoding="utf-8"?>
+<file path=ppt/slides/slide16.xml><?xml version="1.0" encoding="utf-8"?>
 <p:sld xmlns:a="http://schemas.openxmlformats.org/drawingml/2006/main" xmlns:r="http://schemas.openxmlformats.org/officeDocument/2006/relationships" xmlns:p="http://schemas.openxmlformats.org/presentationml/2006/main">
   <p:cSld>
     <p:bg>
@@ -11495,7 +12057,7 @@
 </p:sld>
 </file>
 
-<file path=ppt/slides/slide15.xml><?xml version="1.0" encoding="utf-8"?>
+<file path=ppt/slides/slide17.xml><?xml version="1.0" encoding="utf-8"?>
 <p:sld xmlns:a="http://schemas.openxmlformats.org/drawingml/2006/main" xmlns:r="http://schemas.openxmlformats.org/officeDocument/2006/relationships" xmlns:p="http://schemas.openxmlformats.org/presentationml/2006/main">
   <p:cSld>
     <p:bg>
@@ -11768,7 +12330,7 @@
 </p:sld>
 </file>
 
-<file path=ppt/slides/slide16.xml><?xml version="1.0" encoding="utf-8"?>
+<file path=ppt/slides/slide18.xml><?xml version="1.0" encoding="utf-8"?>
 <p:sld xmlns:a="http://schemas.openxmlformats.org/drawingml/2006/main" xmlns:r="http://schemas.openxmlformats.org/officeDocument/2006/relationships" xmlns:p="http://schemas.openxmlformats.org/presentationml/2006/main">
   <p:cSld>
     <p:bg>
@@ -11827,7 +12389,7 @@
 </p:sld>
 </file>
 
-<file path=ppt/slides/slide17.xml><?xml version="1.0" encoding="utf-8"?>
+<file path=ppt/slides/slide19.xml><?xml version="1.0" encoding="utf-8"?>
 <p:sld xmlns:a="http://schemas.openxmlformats.org/drawingml/2006/main" xmlns:r="http://schemas.openxmlformats.org/officeDocument/2006/relationships" xmlns:p="http://schemas.openxmlformats.org/presentationml/2006/main">
   <p:cSld>
     <p:bg>
@@ -11886,7 +12448,148 @@
 </p:sld>
 </file>
 
-<file path=ppt/slides/slide18.xml><?xml version="1.0" encoding="utf-8"?>
+<file path=ppt/slides/slide2.xml><?xml version="1.0" encoding="utf-8"?>
+<p:sld xmlns:a="http://schemas.openxmlformats.org/drawingml/2006/main" xmlns:r="http://schemas.openxmlformats.org/officeDocument/2006/relationships" xmlns:p="http://schemas.openxmlformats.org/presentationml/2006/main">
+  <p:cSld>
+    <p:bg>
+      <p:bgPr>
+        <a:solidFill>
+          <a:srgbClr val="93C47D"/>
+        </a:solidFill>
+        <a:effectLst/>
+      </p:bgPr>
+    </p:bg>
+    <p:spTree>
+      <p:nvGrpSpPr>
+        <p:cNvPr id="138" name="Shape 138"/>
+        <p:cNvGrpSpPr/>
+        <p:nvPr/>
+      </p:nvGrpSpPr>
+      <p:grpSpPr>
+        <a:xfrm>
+          <a:off x="0" y="0"/>
+          <a:ext cx="0" cy="0"/>
+          <a:chOff x="0" y="0"/>
+          <a:chExt cx="0" cy="0"/>
+        </a:xfrm>
+      </p:grpSpPr>
+      <p:sp>
+        <p:nvSpPr>
+          <p:cNvPr id="139" name="Google Shape;139;p14"/>
+          <p:cNvSpPr txBox="1"/>
+          <p:nvPr>
+            <p:ph type="title"/>
+          </p:nvPr>
+        </p:nvSpPr>
+        <p:spPr>
+          <a:xfrm>
+            <a:off x="823850" y="2053000"/>
+            <a:ext cx="4587000" cy="1148700"/>
+          </a:xfrm>
+          <a:prstGeom prst="rect">
+            <a:avLst/>
+          </a:prstGeom>
+        </p:spPr>
+        <p:txBody>
+          <a:bodyPr spcFirstLastPara="1" wrap="square" lIns="91425" tIns="91425" rIns="91425" bIns="91425" anchor="ctr" anchorCtr="0">
+            <a:noAutofit/>
+          </a:bodyPr>
+          <a:lstStyle/>
+          <a:p>
+            <a:pPr marL="0" lvl="0" indent="0" algn="l" rtl="0">
+              <a:spcBef>
+                <a:spcPts val="0"/>
+              </a:spcBef>
+              <a:spcAft>
+                <a:spcPts val="0"/>
+              </a:spcAft>
+              <a:buNone/>
+            </a:pPr>
+            <a:r>
+              <a:rPr lang="pt-BR">
+                <a:solidFill>
+                  <a:srgbClr val="000000"/>
+                </a:solidFill>
+              </a:rPr>
+              <a:t>Quicksort</a:t>
+            </a:r>
+            <a:endParaRPr>
+              <a:solidFill>
+                <a:srgbClr val="000000"/>
+              </a:solidFill>
+            </a:endParaRPr>
+          </a:p>
+          <a:p>
+            <a:pPr marL="0" lvl="0" indent="0" algn="l" rtl="0">
+              <a:spcBef>
+                <a:spcPts val="0"/>
+              </a:spcBef>
+              <a:spcAft>
+                <a:spcPts val="0"/>
+              </a:spcAft>
+              <a:buNone/>
+            </a:pPr>
+            <a:endParaRPr>
+              <a:solidFill>
+                <a:srgbClr val="000000"/>
+              </a:solidFill>
+            </a:endParaRPr>
+          </a:p>
+          <a:p>
+            <a:pPr marL="0" lvl="0" indent="0" algn="l" rtl="0">
+              <a:spcBef>
+                <a:spcPts val="0"/>
+              </a:spcBef>
+              <a:spcAft>
+                <a:spcPts val="0"/>
+              </a:spcAft>
+              <a:buNone/>
+            </a:pPr>
+            <a:r>
+              <a:rPr lang="pt-BR" sz="1050" b="1">
+                <a:solidFill>
+                  <a:srgbClr val="222222"/>
+                </a:solidFill>
+                <a:latin typeface="Arial"/>
+                <a:ea typeface="Arial"/>
+                <a:cs typeface="Arial"/>
+                <a:sym typeface="Arial"/>
+              </a:rPr>
+              <a:t>Charles Antony Richard Hoare</a:t>
+            </a:r>
+            <a:r>
+              <a:rPr lang="pt-BR" sz="1050">
+                <a:solidFill>
+                  <a:srgbClr val="222222"/>
+                </a:solidFill>
+                <a:latin typeface="Arial"/>
+                <a:ea typeface="Arial"/>
+                <a:cs typeface="Arial"/>
+                <a:sym typeface="Arial"/>
+              </a:rPr>
+              <a:t> - 1960</a:t>
+            </a:r>
+            <a:endParaRPr sz="1050">
+              <a:solidFill>
+                <a:srgbClr val="222222"/>
+              </a:solidFill>
+              <a:latin typeface="Arial"/>
+              <a:ea typeface="Arial"/>
+              <a:cs typeface="Arial"/>
+              <a:sym typeface="Arial"/>
+            </a:endParaRPr>
+          </a:p>
+        </p:txBody>
+      </p:sp>
+    </p:spTree>
+  </p:cSld>
+  <p:clrMapOvr>
+    <a:masterClrMapping/>
+  </p:clrMapOvr>
+</p:sld>
+</file>
+
+<file path=ppt/slides/slide20.xml><?xml version="1.0" encoding="utf-8"?>
 <p:sld xmlns:a="http://schemas.openxmlformats.org/drawingml/2006/main" xmlns:r="http://schemas.openxmlformats.org/officeDocument/2006/relationships" xmlns:p="http://schemas.openxmlformats.org/presentationml/2006/main">
   <p:cSld>
     <p:bg>
@@ -11913,8 +12616,10 @@
       </p:grpSpPr>
       <p:pic>
         <p:nvPicPr>
-          <p:cNvPr id="219" name="Google Shape;219;p30"/>
-          <p:cNvPicPr preferRelativeResize="0"/>
+          <p:cNvPr id="2" name="Picture 1" descr="Heapsort-example"/>
+          <p:cNvPicPr>
+            <a:picLocks noChangeAspect="1"/>
+          </p:cNvPicPr>
           <p:nvPr/>
         </p:nvPicPr>
         <p:blipFill>
@@ -11925,16 +12630,12 @@
         </p:blipFill>
         <p:spPr>
           <a:xfrm>
-            <a:off x="833438" y="857250"/>
-            <a:ext cx="7477125" cy="3429000"/>
+            <a:off x="1963420" y="481330"/>
+            <a:ext cx="5003800" cy="4003040"/>
           </a:xfrm>
           <a:prstGeom prst="rect">
             <a:avLst/>
           </a:prstGeom>
-          <a:noFill/>
-          <a:ln>
-            <a:noFill/>
-          </a:ln>
         </p:spPr>
       </p:pic>
     </p:spTree>
@@ -11945,7 +12646,7 @@
 </p:sld>
 </file>
 
-<file path=ppt/slides/slide19.xml><?xml version="1.0" encoding="utf-8"?>
+<file path=ppt/slides/slide21.xml><?xml version="1.0" encoding="utf-8"?>
 <p:sld xmlns:a="http://schemas.openxmlformats.org/drawingml/2006/main" xmlns:r="http://schemas.openxmlformats.org/officeDocument/2006/relationships" xmlns:p="http://schemas.openxmlformats.org/presentationml/2006/main">
   <p:cSld>
     <p:bg>
@@ -12223,148 +12924,7 @@
 </p:sld>
 </file>
 
-<file path=ppt/slides/slide2.xml><?xml version="1.0" encoding="utf-8"?>
-<p:sld xmlns:a="http://schemas.openxmlformats.org/drawingml/2006/main" xmlns:r="http://schemas.openxmlformats.org/officeDocument/2006/relationships" xmlns:p="http://schemas.openxmlformats.org/presentationml/2006/main">
-  <p:cSld>
-    <p:bg>
-      <p:bgPr>
-        <a:solidFill>
-          <a:srgbClr val="93C47D"/>
-        </a:solidFill>
-        <a:effectLst/>
-      </p:bgPr>
-    </p:bg>
-    <p:spTree>
-      <p:nvGrpSpPr>
-        <p:cNvPr id="138" name="Shape 138"/>
-        <p:cNvGrpSpPr/>
-        <p:nvPr/>
-      </p:nvGrpSpPr>
-      <p:grpSpPr>
-        <a:xfrm>
-          <a:off x="0" y="0"/>
-          <a:ext cx="0" cy="0"/>
-          <a:chOff x="0" y="0"/>
-          <a:chExt cx="0" cy="0"/>
-        </a:xfrm>
-      </p:grpSpPr>
-      <p:sp>
-        <p:nvSpPr>
-          <p:cNvPr id="139" name="Google Shape;139;p14"/>
-          <p:cNvSpPr txBox="1"/>
-          <p:nvPr>
-            <p:ph type="title"/>
-          </p:nvPr>
-        </p:nvSpPr>
-        <p:spPr>
-          <a:xfrm>
-            <a:off x="823850" y="2053000"/>
-            <a:ext cx="4587000" cy="1148700"/>
-          </a:xfrm>
-          <a:prstGeom prst="rect">
-            <a:avLst/>
-          </a:prstGeom>
-        </p:spPr>
-        <p:txBody>
-          <a:bodyPr spcFirstLastPara="1" wrap="square" lIns="91425" tIns="91425" rIns="91425" bIns="91425" anchor="ctr" anchorCtr="0">
-            <a:noAutofit/>
-          </a:bodyPr>
-          <a:lstStyle/>
-          <a:p>
-            <a:pPr marL="0" lvl="0" indent="0" algn="l" rtl="0">
-              <a:spcBef>
-                <a:spcPts val="0"/>
-              </a:spcBef>
-              <a:spcAft>
-                <a:spcPts val="0"/>
-              </a:spcAft>
-              <a:buNone/>
-            </a:pPr>
-            <a:r>
-              <a:rPr lang="pt-BR">
-                <a:solidFill>
-                  <a:srgbClr val="000000"/>
-                </a:solidFill>
-              </a:rPr>
-              <a:t>Quicksort</a:t>
-            </a:r>
-            <a:endParaRPr>
-              <a:solidFill>
-                <a:srgbClr val="000000"/>
-              </a:solidFill>
-            </a:endParaRPr>
-          </a:p>
-          <a:p>
-            <a:pPr marL="0" lvl="0" indent="0" algn="l" rtl="0">
-              <a:spcBef>
-                <a:spcPts val="0"/>
-              </a:spcBef>
-              <a:spcAft>
-                <a:spcPts val="0"/>
-              </a:spcAft>
-              <a:buNone/>
-            </a:pPr>
-            <a:endParaRPr>
-              <a:solidFill>
-                <a:srgbClr val="000000"/>
-              </a:solidFill>
-            </a:endParaRPr>
-          </a:p>
-          <a:p>
-            <a:pPr marL="0" lvl="0" indent="0" algn="l" rtl="0">
-              <a:spcBef>
-                <a:spcPts val="0"/>
-              </a:spcBef>
-              <a:spcAft>
-                <a:spcPts val="0"/>
-              </a:spcAft>
-              <a:buNone/>
-            </a:pPr>
-            <a:r>
-              <a:rPr lang="pt-BR" sz="1050" b="1">
-                <a:solidFill>
-                  <a:srgbClr val="222222"/>
-                </a:solidFill>
-                <a:latin typeface="Arial"/>
-                <a:ea typeface="Arial"/>
-                <a:cs typeface="Arial"/>
-                <a:sym typeface="Arial"/>
-              </a:rPr>
-              <a:t>Charles Antony Richard Hoare</a:t>
-            </a:r>
-            <a:r>
-              <a:rPr lang="pt-BR" sz="1050">
-                <a:solidFill>
-                  <a:srgbClr val="222222"/>
-                </a:solidFill>
-                <a:latin typeface="Arial"/>
-                <a:ea typeface="Arial"/>
-                <a:cs typeface="Arial"/>
-                <a:sym typeface="Arial"/>
-              </a:rPr>
-              <a:t> - 1960</a:t>
-            </a:r>
-            <a:endParaRPr sz="1050">
-              <a:solidFill>
-                <a:srgbClr val="222222"/>
-              </a:solidFill>
-              <a:latin typeface="Arial"/>
-              <a:ea typeface="Arial"/>
-              <a:cs typeface="Arial"/>
-              <a:sym typeface="Arial"/>
-            </a:endParaRPr>
-          </a:p>
-        </p:txBody>
-      </p:sp>
-    </p:spTree>
-  </p:cSld>
-  <p:clrMapOvr>
-    <a:masterClrMapping/>
-  </p:clrMapOvr>
-</p:sld>
-</file>
-
-<file path=ppt/slides/slide20.xml><?xml version="1.0" encoding="utf-8"?>
+<file path=ppt/slides/slide22.xml><?xml version="1.0" encoding="utf-8"?>
 <p:sld xmlns:a="http://schemas.openxmlformats.org/drawingml/2006/main" xmlns:r="http://schemas.openxmlformats.org/officeDocument/2006/relationships" xmlns:p="http://schemas.openxmlformats.org/presentationml/2006/main">
   <p:cSld>
     <p:bg>
@@ -12926,6 +13486,63 @@
     </p:bg>
     <p:spTree>
       <p:nvGrpSpPr>
+        <p:cNvPr id="153" name="Shape 153"/>
+        <p:cNvGrpSpPr/>
+        <p:nvPr/>
+      </p:nvGrpSpPr>
+      <p:grpSpPr>
+        <a:xfrm>
+          <a:off x="0" y="0"/>
+          <a:ext cx="0" cy="0"/>
+          <a:chOff x="0" y="0"/>
+          <a:chExt cx="0" cy="0"/>
+        </a:xfrm>
+      </p:grpSpPr>
+      <p:pic>
+        <p:nvPicPr>
+          <p:cNvPr id="1" name="Picture 0" descr="Quicksort-example"/>
+          <p:cNvPicPr>
+            <a:picLocks noChangeAspect="1"/>
+          </p:cNvPicPr>
+          <p:nvPr/>
+        </p:nvPicPr>
+        <p:blipFill>
+          <a:blip r:embed="rId1"/>
+          <a:stretch>
+            <a:fillRect/>
+          </a:stretch>
+        </p:blipFill>
+        <p:spPr>
+          <a:xfrm>
+            <a:off x="1780540" y="896620"/>
+            <a:ext cx="5582285" cy="3350260"/>
+          </a:xfrm>
+          <a:prstGeom prst="rect">
+            <a:avLst/>
+          </a:prstGeom>
+        </p:spPr>
+      </p:pic>
+    </p:spTree>
+  </p:cSld>
+  <p:clrMapOvr>
+    <a:masterClrMapping/>
+  </p:clrMapOvr>
+</p:sld>
+</file>
+
+<file path=ppt/slides/slide7.xml><?xml version="1.0" encoding="utf-8"?>
+<p:sld xmlns:a="http://schemas.openxmlformats.org/drawingml/2006/main" xmlns:r="http://schemas.openxmlformats.org/officeDocument/2006/relationships" xmlns:p="http://schemas.openxmlformats.org/presentationml/2006/main">
+  <p:cSld>
+    <p:bg>
+      <p:bgPr>
+        <a:solidFill>
+          <a:srgbClr val="93C47D"/>
+        </a:solidFill>
+        <a:effectLst/>
+      </p:bgPr>
+    </p:bg>
+    <p:spTree>
+      <p:nvGrpSpPr>
         <p:cNvPr id="158" name="Shape 158"/>
         <p:cNvGrpSpPr/>
         <p:nvPr/>
@@ -13197,7 +13814,7 @@
 </p:sld>
 </file>
 
-<file path=ppt/slides/slide7.xml><?xml version="1.0" encoding="utf-8"?>
+<file path=ppt/slides/slide8.xml><?xml version="1.0" encoding="utf-8"?>
 <p:sld xmlns:a="http://schemas.openxmlformats.org/drawingml/2006/main" xmlns:r="http://schemas.openxmlformats.org/officeDocument/2006/relationships" xmlns:p="http://schemas.openxmlformats.org/presentationml/2006/main">
   <p:cSld>
     <p:bg>
@@ -13343,7 +13960,7 @@
 </p:sld>
 </file>
 
-<file path=ppt/slides/slide8.xml><?xml version="1.0" encoding="utf-8"?>
+<file path=ppt/slides/slide9.xml><?xml version="1.0" encoding="utf-8"?>
 <p:sld xmlns:a="http://schemas.openxmlformats.org/drawingml/2006/main" xmlns:r="http://schemas.openxmlformats.org/officeDocument/2006/relationships" xmlns:p="http://schemas.openxmlformats.org/presentationml/2006/main">
   <p:cSld>
     <p:bg>
@@ -13555,311 +14172,6 @@
               <a:t>Sua complexidade máxima é O(n log n)</a:t>
             </a:r>
             <a:endParaRPr sz="3000">
-              <a:latin typeface="Montserrat"/>
-              <a:ea typeface="Montserrat"/>
-              <a:cs typeface="Montserrat"/>
-              <a:sym typeface="Montserrat"/>
-            </a:endParaRPr>
-          </a:p>
-        </p:txBody>
-      </p:sp>
-    </p:spTree>
-  </p:cSld>
-  <p:clrMapOvr>
-    <a:masterClrMapping/>
-  </p:clrMapOvr>
-</p:sld>
-</file>
-
-<file path=ppt/slides/slide9.xml><?xml version="1.0" encoding="utf-8"?>
-<p:sld xmlns:a="http://schemas.openxmlformats.org/drawingml/2006/main" xmlns:r="http://schemas.openxmlformats.org/officeDocument/2006/relationships" xmlns:p="http://schemas.openxmlformats.org/presentationml/2006/main">
-  <p:cSld>
-    <p:bg>
-      <p:bgPr>
-        <a:solidFill>
-          <a:srgbClr val="93C47D"/>
-        </a:solidFill>
-        <a:effectLst/>
-      </p:bgPr>
-    </p:bg>
-    <p:spTree>
-      <p:nvGrpSpPr>
-        <p:cNvPr id="173" name="Shape 173"/>
-        <p:cNvGrpSpPr/>
-        <p:nvPr/>
-      </p:nvGrpSpPr>
-      <p:grpSpPr>
-        <a:xfrm>
-          <a:off x="0" y="0"/>
-          <a:ext cx="0" cy="0"/>
-          <a:chOff x="0" y="0"/>
-          <a:chExt cx="0" cy="0"/>
-        </a:xfrm>
-      </p:grpSpPr>
-      <p:sp>
-        <p:nvSpPr>
-          <p:cNvPr id="174" name="Google Shape;174;p21"/>
-          <p:cNvSpPr txBox="1"/>
-          <p:nvPr/>
-        </p:nvSpPr>
-        <p:spPr>
-          <a:xfrm>
-            <a:off x="254775" y="183125"/>
-            <a:ext cx="8726400" cy="4848900"/>
-          </a:xfrm>
-          <a:prstGeom prst="rect">
-            <a:avLst/>
-          </a:prstGeom>
-          <a:noFill/>
-          <a:ln>
-            <a:noFill/>
-          </a:ln>
-        </p:spPr>
-        <p:txBody>
-          <a:bodyPr spcFirstLastPara="1" wrap="square" lIns="91425" tIns="91425" rIns="91425" bIns="91425" anchor="t" anchorCtr="0">
-            <a:noAutofit/>
-          </a:bodyPr>
-          <a:lstStyle/>
-          <a:p>
-            <a:pPr marL="457200" lvl="0" indent="-381000" algn="l" rtl="0">
-              <a:spcBef>
-                <a:spcPts val="0"/>
-              </a:spcBef>
-              <a:spcAft>
-                <a:spcPts val="0"/>
-              </a:spcAft>
-              <a:buSzPts val="2400"/>
-              <a:buFont typeface="Montserrat"/>
-              <a:buChar char="●"/>
-            </a:pPr>
-            <a:r>
-              <a:rPr lang="pt-BR" sz="2400" b="1">
-                <a:latin typeface="Montserrat"/>
-                <a:ea typeface="Montserrat"/>
-                <a:cs typeface="Montserrat"/>
-                <a:sym typeface="Montserrat"/>
-              </a:rPr>
-              <a:t>Passo 1</a:t>
-            </a:r>
-            <a:r>
-              <a:rPr lang="pt-BR" sz="2400">
-                <a:latin typeface="Montserrat"/>
-                <a:ea typeface="Montserrat"/>
-                <a:cs typeface="Montserrat"/>
-                <a:sym typeface="Montserrat"/>
-              </a:rPr>
-              <a:t>: Recursivamente dividir o vetor até sobrar unidades</a:t>
-            </a:r>
-            <a:r>
-              <a:rPr lang="" altLang="pt-BR" sz="2400">
-                <a:latin typeface="Montserrat"/>
-                <a:ea typeface="Montserrat"/>
-                <a:cs typeface="Montserrat"/>
-                <a:sym typeface="Montserrat"/>
-              </a:rPr>
-              <a:t>;</a:t>
-            </a:r>
-            <a:endParaRPr lang="pt-BR" sz="2400">
-              <a:latin typeface="Montserrat"/>
-              <a:ea typeface="Montserrat"/>
-              <a:cs typeface="Montserrat"/>
-              <a:sym typeface="Montserrat"/>
-            </a:endParaRPr>
-          </a:p>
-          <a:p>
-            <a:pPr marL="457200" lvl="0" indent="-381000" algn="l" rtl="0">
-              <a:spcBef>
-                <a:spcPts val="0"/>
-              </a:spcBef>
-              <a:spcAft>
-                <a:spcPts val="0"/>
-              </a:spcAft>
-              <a:buSzPts val="2400"/>
-              <a:buFont typeface="Montserrat"/>
-              <a:buChar char="●"/>
-            </a:pPr>
-            <a:endParaRPr lang="pt-BR" sz="2400">
-              <a:latin typeface="Montserrat"/>
-              <a:ea typeface="Montserrat"/>
-              <a:cs typeface="Montserrat"/>
-              <a:sym typeface="Montserrat"/>
-            </a:endParaRPr>
-          </a:p>
-          <a:p>
-            <a:pPr marL="457200" lvl="0" indent="-381000" algn="l" rtl="0">
-              <a:spcBef>
-                <a:spcPts val="0"/>
-              </a:spcBef>
-              <a:spcAft>
-                <a:spcPts val="0"/>
-              </a:spcAft>
-              <a:buSzPts val="2400"/>
-              <a:buFont typeface="Montserrat"/>
-              <a:buChar char="●"/>
-            </a:pPr>
-            <a:r>
-              <a:rPr lang="" altLang="pt-BR" sz="2400" b="1">
-                <a:latin typeface="Montserrat"/>
-                <a:ea typeface="Montserrat"/>
-                <a:cs typeface="Montserrat"/>
-                <a:sym typeface="Montserrat"/>
-              </a:rPr>
-              <a:t>Passo 2</a:t>
-            </a:r>
-            <a:r>
-              <a:rPr lang="" altLang="pt-BR" sz="2400">
-                <a:latin typeface="Montserrat"/>
-                <a:ea typeface="Montserrat"/>
-                <a:cs typeface="Montserrat"/>
-                <a:sym typeface="Montserrat"/>
-              </a:rPr>
-              <a:t>: Supõe-se que quando sobram apenas unidades as mesmas estão ordenadas;</a:t>
-            </a:r>
-            <a:endParaRPr lang="" altLang="pt-BR" sz="2400">
-              <a:latin typeface="Montserrat"/>
-              <a:ea typeface="Montserrat"/>
-              <a:cs typeface="Montserrat"/>
-              <a:sym typeface="Montserrat"/>
-            </a:endParaRPr>
-          </a:p>
-          <a:p>
-            <a:pPr marL="457200" lvl="0" indent="-381000" algn="l" rtl="0">
-              <a:spcBef>
-                <a:spcPts val="0"/>
-              </a:spcBef>
-              <a:spcAft>
-                <a:spcPts val="0"/>
-              </a:spcAft>
-              <a:buSzPts val="2400"/>
-              <a:buFont typeface="Montserrat"/>
-              <a:buChar char="●"/>
-            </a:pPr>
-            <a:endParaRPr sz="2400">
-              <a:latin typeface="Montserrat"/>
-              <a:ea typeface="Montserrat"/>
-              <a:cs typeface="Montserrat"/>
-              <a:sym typeface="Montserrat"/>
-            </a:endParaRPr>
-          </a:p>
-          <a:p>
-            <a:pPr marL="457200" lvl="0" indent="-381000" algn="l" rtl="0">
-              <a:spcBef>
-                <a:spcPts val="0"/>
-              </a:spcBef>
-              <a:spcAft>
-                <a:spcPts val="0"/>
-              </a:spcAft>
-              <a:buSzPts val="2400"/>
-              <a:buFont typeface="Montserrat"/>
-              <a:buChar char="●"/>
-            </a:pPr>
-            <a:r>
-              <a:rPr lang="pt-BR" sz="2400" b="1">
-                <a:latin typeface="Montserrat"/>
-                <a:ea typeface="Montserrat"/>
-                <a:cs typeface="Montserrat"/>
-                <a:sym typeface="Montserrat"/>
-              </a:rPr>
-              <a:t>Passo </a:t>
-            </a:r>
-            <a:r>
-              <a:rPr lang="" altLang="pt-BR" sz="2400" b="1">
-                <a:latin typeface="Montserrat"/>
-                <a:ea typeface="Montserrat"/>
-                <a:cs typeface="Montserrat"/>
-                <a:sym typeface="Montserrat"/>
-              </a:rPr>
-              <a:t>3</a:t>
-            </a:r>
-            <a:r>
-              <a:rPr lang="pt-BR" sz="2400">
-                <a:latin typeface="Montserrat"/>
-                <a:ea typeface="Montserrat"/>
-                <a:cs typeface="Montserrat"/>
-                <a:sym typeface="Montserrat"/>
-              </a:rPr>
-              <a:t>: </a:t>
-            </a:r>
-            <a:r>
-              <a:rPr lang="" altLang="pt-BR" sz="2400">
-                <a:latin typeface="Montserrat"/>
-                <a:ea typeface="Montserrat"/>
-                <a:cs typeface="Montserrat"/>
-                <a:sym typeface="Montserrat"/>
-              </a:rPr>
-              <a:t>Após isso realizar a ordenação com a unidade adjacente (merge).</a:t>
-            </a:r>
-            <a:endParaRPr sz="2400">
-              <a:latin typeface="Montserrat"/>
-              <a:ea typeface="Montserrat"/>
-              <a:cs typeface="Montserrat"/>
-              <a:sym typeface="Montserrat"/>
-            </a:endParaRPr>
-          </a:p>
-          <a:p>
-            <a:pPr marL="0" lvl="0" indent="0" algn="l" rtl="0">
-              <a:spcBef>
-                <a:spcPts val="0"/>
-              </a:spcBef>
-              <a:spcAft>
-                <a:spcPts val="0"/>
-              </a:spcAft>
-              <a:buNone/>
-            </a:pPr>
-            <a:endParaRPr sz="2400">
-              <a:latin typeface="Montserrat"/>
-              <a:ea typeface="Montserrat"/>
-              <a:cs typeface="Montserrat"/>
-              <a:sym typeface="Montserrat"/>
-            </a:endParaRPr>
-          </a:p>
-          <a:p>
-            <a:pPr marL="457200" lvl="0" indent="-381000" algn="l" rtl="0">
-              <a:spcBef>
-                <a:spcPts val="0"/>
-              </a:spcBef>
-              <a:spcAft>
-                <a:spcPts val="0"/>
-              </a:spcAft>
-              <a:buSzPts val="2400"/>
-              <a:buFont typeface="Montserrat"/>
-              <a:buChar char="●"/>
-            </a:pPr>
-            <a:endParaRPr sz="2400">
-              <a:latin typeface="Montserrat"/>
-              <a:ea typeface="Montserrat"/>
-              <a:cs typeface="Montserrat"/>
-              <a:sym typeface="Montserrat"/>
-            </a:endParaRPr>
-          </a:p>
-          <a:p>
-            <a:pPr marL="0" lvl="0" indent="0" algn="l" rtl="0">
-              <a:spcBef>
-                <a:spcPts val="0"/>
-              </a:spcBef>
-              <a:spcAft>
-                <a:spcPts val="0"/>
-              </a:spcAft>
-              <a:buNone/>
-            </a:pPr>
-            <a:endParaRPr sz="2400">
-              <a:latin typeface="Montserrat"/>
-              <a:ea typeface="Montserrat"/>
-              <a:cs typeface="Montserrat"/>
-              <a:sym typeface="Montserrat"/>
-            </a:endParaRPr>
-          </a:p>
-          <a:p>
-            <a:pPr marL="457200" lvl="0" indent="0" algn="l" rtl="0">
-              <a:spcBef>
-                <a:spcPts val="0"/>
-              </a:spcBef>
-              <a:spcAft>
-                <a:spcPts val="0"/>
-              </a:spcAft>
-              <a:buNone/>
-            </a:pPr>
-            <a:endParaRPr sz="2400">
               <a:latin typeface="Montserrat"/>
               <a:ea typeface="Montserrat"/>
               <a:cs typeface="Montserrat"/>
